--- a/~181226발표준비/FreezeBomb(중간발표)_사명진_이우상_염혜린.pptx
+++ b/~181226발표준비/FreezeBomb(중간발표)_사명진_이우상_염혜린.pptx
@@ -269,7 +269,7 @@
           <a:p>
             <a:fld id="{D5DEA401-A339-44E2-A907-DCA2F41F0303}" type="datetimeFigureOut">
               <a:rPr lang="ko-KR" altLang="en-US" smtClean="0"/>
-              <a:t>2019-05-07</a:t>
+              <a:t>2019-05-08</a:t>
             </a:fld>
             <a:endParaRPr lang="ko-KR" altLang="en-US"/>
           </a:p>
@@ -467,7 +467,7 @@
           <a:p>
             <a:fld id="{D5DEA401-A339-44E2-A907-DCA2F41F0303}" type="datetimeFigureOut">
               <a:rPr lang="ko-KR" altLang="en-US" smtClean="0"/>
-              <a:t>2019-05-07</a:t>
+              <a:t>2019-05-08</a:t>
             </a:fld>
             <a:endParaRPr lang="ko-KR" altLang="en-US"/>
           </a:p>
@@ -675,7 +675,7 @@
           <a:p>
             <a:fld id="{D5DEA401-A339-44E2-A907-DCA2F41F0303}" type="datetimeFigureOut">
               <a:rPr lang="ko-KR" altLang="en-US" smtClean="0"/>
-              <a:t>2019-05-07</a:t>
+              <a:t>2019-05-08</a:t>
             </a:fld>
             <a:endParaRPr lang="ko-KR" altLang="en-US"/>
           </a:p>
@@ -873,7 +873,7 @@
           <a:p>
             <a:fld id="{D5DEA401-A339-44E2-A907-DCA2F41F0303}" type="datetimeFigureOut">
               <a:rPr lang="ko-KR" altLang="en-US" smtClean="0"/>
-              <a:t>2019-05-07</a:t>
+              <a:t>2019-05-08</a:t>
             </a:fld>
             <a:endParaRPr lang="ko-KR" altLang="en-US"/>
           </a:p>
@@ -1148,7 +1148,7 @@
           <a:p>
             <a:fld id="{D5DEA401-A339-44E2-A907-DCA2F41F0303}" type="datetimeFigureOut">
               <a:rPr lang="ko-KR" altLang="en-US" smtClean="0"/>
-              <a:t>2019-05-07</a:t>
+              <a:t>2019-05-08</a:t>
             </a:fld>
             <a:endParaRPr lang="ko-KR" altLang="en-US"/>
           </a:p>
@@ -1413,7 +1413,7 @@
           <a:p>
             <a:fld id="{D5DEA401-A339-44E2-A907-DCA2F41F0303}" type="datetimeFigureOut">
               <a:rPr lang="ko-KR" altLang="en-US" smtClean="0"/>
-              <a:t>2019-05-07</a:t>
+              <a:t>2019-05-08</a:t>
             </a:fld>
             <a:endParaRPr lang="ko-KR" altLang="en-US"/>
           </a:p>
@@ -1825,7 +1825,7 @@
           <a:p>
             <a:fld id="{D5DEA401-A339-44E2-A907-DCA2F41F0303}" type="datetimeFigureOut">
               <a:rPr lang="ko-KR" altLang="en-US" smtClean="0"/>
-              <a:t>2019-05-07</a:t>
+              <a:t>2019-05-08</a:t>
             </a:fld>
             <a:endParaRPr lang="ko-KR" altLang="en-US"/>
           </a:p>
@@ -1966,7 +1966,7 @@
           <a:p>
             <a:fld id="{D5DEA401-A339-44E2-A907-DCA2F41F0303}" type="datetimeFigureOut">
               <a:rPr lang="ko-KR" altLang="en-US" smtClean="0"/>
-              <a:t>2019-05-07</a:t>
+              <a:t>2019-05-08</a:t>
             </a:fld>
             <a:endParaRPr lang="ko-KR" altLang="en-US"/>
           </a:p>
@@ -2079,7 +2079,7 @@
           <a:p>
             <a:fld id="{D5DEA401-A339-44E2-A907-DCA2F41F0303}" type="datetimeFigureOut">
               <a:rPr lang="ko-KR" altLang="en-US" smtClean="0"/>
-              <a:t>2019-05-07</a:t>
+              <a:t>2019-05-08</a:t>
             </a:fld>
             <a:endParaRPr lang="ko-KR" altLang="en-US"/>
           </a:p>
@@ -2390,7 +2390,7 @@
           <a:p>
             <a:fld id="{D5DEA401-A339-44E2-A907-DCA2F41F0303}" type="datetimeFigureOut">
               <a:rPr lang="ko-KR" altLang="en-US" smtClean="0"/>
-              <a:t>2019-05-07</a:t>
+              <a:t>2019-05-08</a:t>
             </a:fld>
             <a:endParaRPr lang="ko-KR" altLang="en-US"/>
           </a:p>
@@ -2678,7 +2678,7 @@
           <a:p>
             <a:fld id="{D5DEA401-A339-44E2-A907-DCA2F41F0303}" type="datetimeFigureOut">
               <a:rPr lang="ko-KR" altLang="en-US" smtClean="0"/>
-              <a:t>2019-05-07</a:t>
+              <a:t>2019-05-08</a:t>
             </a:fld>
             <a:endParaRPr lang="ko-KR" altLang="en-US"/>
           </a:p>
@@ -2919,7 +2919,7 @@
           <a:p>
             <a:fld id="{D5DEA401-A339-44E2-A907-DCA2F41F0303}" type="datetimeFigureOut">
               <a:rPr lang="ko-KR" altLang="en-US" smtClean="0"/>
-              <a:t>2019-05-07</a:t>
+              <a:t>2019-05-08</a:t>
             </a:fld>
             <a:endParaRPr lang="ko-KR" altLang="en-US"/>
           </a:p>
@@ -7954,7 +7954,7 @@
           <p:nvPr>
             <p:extLst>
               <p:ext uri="{D42A27DB-BD31-4B8C-83A1-F6EECF244321}">
-                <p14:modId xmlns:p14="http://schemas.microsoft.com/office/powerpoint/2010/main" val="64106755"/>
+                <p14:modId xmlns:p14="http://schemas.microsoft.com/office/powerpoint/2010/main" val="1718537730"/>
               </p:ext>
             </p:extLst>
           </p:nvPr>
@@ -8504,7 +8504,7 @@
                             <a:schemeClr val="tx1"/>
                           </a:solidFill>
                         </a:rPr>
-                        <a:t>이펙트 효과와 </a:t>
+                        <a:t>부족한 이펙트 효과와 </a:t>
                       </a:r>
                       <a:endParaRPr lang="en-US" altLang="ko-KR" dirty="0">
                         <a:solidFill>
@@ -8520,8 +8520,21 @@
                             <a:schemeClr val="tx1"/>
                           </a:solidFill>
                         </a:rPr>
-                        <a:t>컨텐츠 미완성</a:t>
+                        <a:t>라운드 시스템 </a:t>
                       </a:r>
+                      <a:r>
+                        <a:rPr lang="ko-KR" altLang="en-US" dirty="0" err="1">
+                          <a:solidFill>
+                            <a:schemeClr val="tx1"/>
+                          </a:solidFill>
+                        </a:rPr>
+                        <a:t>미구현</a:t>
+                      </a:r>
+                      <a:endParaRPr lang="ko-KR" altLang="en-US" dirty="0">
+                        <a:solidFill>
+                          <a:schemeClr val="tx1"/>
+                        </a:solidFill>
+                      </a:endParaRPr>
                     </a:p>
                   </a:txBody>
                   <a:tcPr>
@@ -8602,15 +8615,23 @@
                             <a:schemeClr val="tx1"/>
                           </a:solidFill>
                         </a:rPr>
-                        <a:t>스테이지나</a:t>
+                        <a:t>이펙트 효과와 라운드 시스템을 </a:t>
                       </a:r>
+                      <a:endParaRPr lang="en-US" altLang="ko-KR">
+                        <a:solidFill>
+                          <a:schemeClr val="tx1"/>
+                        </a:solidFill>
+                      </a:endParaRPr>
+                    </a:p>
+                    <a:p>
+                      <a:pPr algn="ctr" latinLnBrk="1"/>
                       <a:r>
-                        <a:rPr lang="en-US" altLang="ko-KR" dirty="0">
+                        <a:rPr lang="ko-KR" altLang="en-US">
                           <a:solidFill>
                             <a:schemeClr val="tx1"/>
                           </a:solidFill>
                         </a:rPr>
-                        <a:t>, </a:t>
+                        <a:t>추가할 </a:t>
                       </a:r>
                       <a:r>
                         <a:rPr lang="ko-KR" altLang="en-US" dirty="0">
@@ -8618,8 +8639,13 @@
                             <a:schemeClr val="tx1"/>
                           </a:solidFill>
                         </a:rPr>
-                        <a:t>아이템 등 컨텐츠 요소를 추가할 예정</a:t>
+                        <a:t>예정</a:t>
                       </a:r>
+                      <a:endParaRPr lang="en-US" altLang="ko-KR" dirty="0">
+                        <a:solidFill>
+                          <a:schemeClr val="tx1"/>
+                        </a:solidFill>
+                      </a:endParaRPr>
                     </a:p>
                   </a:txBody>
                   <a:tcPr>
@@ -8995,7 +9021,23 @@
                             <a:schemeClr val="tx1"/>
                           </a:solidFill>
                         </a:rPr>
-                        <a:t>클라이언트 간의 지연시간을 고려하여 패킷 처리</a:t>
+                        <a:t>클라이언트 간의 지연시간을 </a:t>
+                      </a:r>
+                      <a:endParaRPr lang="en-US" altLang="ko-KR" dirty="0">
+                        <a:solidFill>
+                          <a:schemeClr val="tx1"/>
+                        </a:solidFill>
+                      </a:endParaRPr>
+                    </a:p>
+                    <a:p>
+                      <a:pPr algn="ctr" latinLnBrk="1"/>
+                      <a:r>
+                        <a:rPr lang="ko-KR" altLang="en-US" dirty="0">
+                          <a:solidFill>
+                            <a:schemeClr val="tx1"/>
+                          </a:solidFill>
+                        </a:rPr>
+                        <a:t>고려하여 패킷 처리</a:t>
                       </a:r>
                     </a:p>
                   </a:txBody>

--- a/~181226발표준비/FreezeBomb(중간발표)_사명진_이우상_염혜린.pptx
+++ b/~181226발표준비/FreezeBomb(중간발표)_사명진_이우상_염혜린.pptx
@@ -268,7 +268,7 @@
           <a:p>
             <a:fld id="{D5DEA401-A339-44E2-A907-DCA2F41F0303}" type="datetimeFigureOut">
               <a:rPr lang="ko-KR" altLang="en-US" smtClean="0"/>
-              <a:t>2019-05-07</a:t>
+              <a:t>2019-05-08</a:t>
             </a:fld>
             <a:endParaRPr lang="ko-KR" altLang="en-US"/>
           </a:p>
@@ -466,7 +466,7 @@
           <a:p>
             <a:fld id="{D5DEA401-A339-44E2-A907-DCA2F41F0303}" type="datetimeFigureOut">
               <a:rPr lang="ko-KR" altLang="en-US" smtClean="0"/>
-              <a:t>2019-05-07</a:t>
+              <a:t>2019-05-08</a:t>
             </a:fld>
             <a:endParaRPr lang="ko-KR" altLang="en-US"/>
           </a:p>
@@ -674,7 +674,7 @@
           <a:p>
             <a:fld id="{D5DEA401-A339-44E2-A907-DCA2F41F0303}" type="datetimeFigureOut">
               <a:rPr lang="ko-KR" altLang="en-US" smtClean="0"/>
-              <a:t>2019-05-07</a:t>
+              <a:t>2019-05-08</a:t>
             </a:fld>
             <a:endParaRPr lang="ko-KR" altLang="en-US"/>
           </a:p>
@@ -872,7 +872,7 @@
           <a:p>
             <a:fld id="{D5DEA401-A339-44E2-A907-DCA2F41F0303}" type="datetimeFigureOut">
               <a:rPr lang="ko-KR" altLang="en-US" smtClean="0"/>
-              <a:t>2019-05-07</a:t>
+              <a:t>2019-05-08</a:t>
             </a:fld>
             <a:endParaRPr lang="ko-KR" altLang="en-US"/>
           </a:p>
@@ -1147,7 +1147,7 @@
           <a:p>
             <a:fld id="{D5DEA401-A339-44E2-A907-DCA2F41F0303}" type="datetimeFigureOut">
               <a:rPr lang="ko-KR" altLang="en-US" smtClean="0"/>
-              <a:t>2019-05-07</a:t>
+              <a:t>2019-05-08</a:t>
             </a:fld>
             <a:endParaRPr lang="ko-KR" altLang="en-US"/>
           </a:p>
@@ -1412,7 +1412,7 @@
           <a:p>
             <a:fld id="{D5DEA401-A339-44E2-A907-DCA2F41F0303}" type="datetimeFigureOut">
               <a:rPr lang="ko-KR" altLang="en-US" smtClean="0"/>
-              <a:t>2019-05-07</a:t>
+              <a:t>2019-05-08</a:t>
             </a:fld>
             <a:endParaRPr lang="ko-KR" altLang="en-US"/>
           </a:p>
@@ -1824,7 +1824,7 @@
           <a:p>
             <a:fld id="{D5DEA401-A339-44E2-A907-DCA2F41F0303}" type="datetimeFigureOut">
               <a:rPr lang="ko-KR" altLang="en-US" smtClean="0"/>
-              <a:t>2019-05-07</a:t>
+              <a:t>2019-05-08</a:t>
             </a:fld>
             <a:endParaRPr lang="ko-KR" altLang="en-US"/>
           </a:p>
@@ -1965,7 +1965,7 @@
           <a:p>
             <a:fld id="{D5DEA401-A339-44E2-A907-DCA2F41F0303}" type="datetimeFigureOut">
               <a:rPr lang="ko-KR" altLang="en-US" smtClean="0"/>
-              <a:t>2019-05-07</a:t>
+              <a:t>2019-05-08</a:t>
             </a:fld>
             <a:endParaRPr lang="ko-KR" altLang="en-US"/>
           </a:p>
@@ -2078,7 +2078,7 @@
           <a:p>
             <a:fld id="{D5DEA401-A339-44E2-A907-DCA2F41F0303}" type="datetimeFigureOut">
               <a:rPr lang="ko-KR" altLang="en-US" smtClean="0"/>
-              <a:t>2019-05-07</a:t>
+              <a:t>2019-05-08</a:t>
             </a:fld>
             <a:endParaRPr lang="ko-KR" altLang="en-US"/>
           </a:p>
@@ -2389,7 +2389,7 @@
           <a:p>
             <a:fld id="{D5DEA401-A339-44E2-A907-DCA2F41F0303}" type="datetimeFigureOut">
               <a:rPr lang="ko-KR" altLang="en-US" smtClean="0"/>
-              <a:t>2019-05-07</a:t>
+              <a:t>2019-05-08</a:t>
             </a:fld>
             <a:endParaRPr lang="ko-KR" altLang="en-US"/>
           </a:p>
@@ -2677,7 +2677,7 @@
           <a:p>
             <a:fld id="{D5DEA401-A339-44E2-A907-DCA2F41F0303}" type="datetimeFigureOut">
               <a:rPr lang="ko-KR" altLang="en-US" smtClean="0"/>
-              <a:t>2019-05-07</a:t>
+              <a:t>2019-05-08</a:t>
             </a:fld>
             <a:endParaRPr lang="ko-KR" altLang="en-US"/>
           </a:p>
@@ -2918,7 +2918,7 @@
           <a:p>
             <a:fld id="{D5DEA401-A339-44E2-A907-DCA2F41F0303}" type="datetimeFigureOut">
               <a:rPr lang="ko-KR" altLang="en-US" smtClean="0"/>
-              <a:t>2019-05-07</a:t>
+              <a:t>2019-05-08</a:t>
             </a:fld>
             <a:endParaRPr lang="ko-KR" altLang="en-US"/>
           </a:p>
@@ -6734,7 +6734,7 @@
           <p:nvPr>
             <p:extLst>
               <p:ext uri="{D42A27DB-BD31-4B8C-83A1-F6EECF244321}">
-                <p14:modId xmlns:p14="http://schemas.microsoft.com/office/powerpoint/2010/main" val="3962619914"/>
+                <p14:modId xmlns:p14="http://schemas.microsoft.com/office/powerpoint/2010/main" val="1615731659"/>
               </p:ext>
             </p:extLst>
           </p:nvPr>
@@ -7284,7 +7284,15 @@
                             <a:schemeClr val="tx1"/>
                           </a:solidFill>
                         </a:rPr>
-                        <a:t>이펙트 효과와 </a:t>
+                        <a:t>라운드 시스템 </a:t>
+                      </a:r>
+                      <a:r>
+                        <a:rPr lang="ko-KR" altLang="en-US" dirty="0" err="1">
+                          <a:solidFill>
+                            <a:schemeClr val="tx1"/>
+                          </a:solidFill>
+                        </a:rPr>
+                        <a:t>미구현</a:t>
                       </a:r>
                       <a:endParaRPr lang="en-US" altLang="ko-KR" dirty="0">
                         <a:solidFill>
@@ -7300,8 +7308,13 @@
                             <a:schemeClr val="tx1"/>
                           </a:solidFill>
                         </a:rPr>
-                        <a:t>컨텐츠 미완성</a:t>
+                        <a:t> </a:t>
                       </a:r>
+                      <a:endParaRPr lang="en-US" altLang="ko-KR" dirty="0">
+                        <a:solidFill>
+                          <a:schemeClr val="tx1"/>
+                        </a:solidFill>
+                      </a:endParaRPr>
                     </a:p>
                   </a:txBody>
                   <a:tcPr>
@@ -7377,12 +7390,20 @@
                     <a:p>
                       <a:pPr algn="ctr" latinLnBrk="1"/>
                       <a:r>
+                        <a:rPr lang="en-US" altLang="ko-KR" dirty="0">
+                          <a:solidFill>
+                            <a:schemeClr val="tx1"/>
+                          </a:solidFill>
+                        </a:rPr>
+                        <a:t>2,3</a:t>
+                      </a:r>
+                      <a:r>
                         <a:rPr lang="ko-KR" altLang="en-US" dirty="0">
                           <a:solidFill>
                             <a:schemeClr val="tx1"/>
                           </a:solidFill>
                         </a:rPr>
-                        <a:t>스테이지나</a:t>
+                        <a:t>라운드 스테이지를 구현할 예정</a:t>
                       </a:r>
                       <a:r>
                         <a:rPr lang="en-US" altLang="ko-KR" dirty="0">
@@ -7390,15 +7411,7 @@
                             <a:schemeClr val="tx1"/>
                           </a:solidFill>
                         </a:rPr>
-                        <a:t>, </a:t>
-                      </a:r>
-                      <a:r>
-                        <a:rPr lang="ko-KR" altLang="en-US" dirty="0">
-                          <a:solidFill>
-                            <a:schemeClr val="tx1"/>
-                          </a:solidFill>
-                        </a:rPr>
-                        <a:t>아이템 등 컨텐츠 요소를 추가할 예정</a:t>
+                        <a:t>.</a:t>
                       </a:r>
                     </a:p>
                   </a:txBody>

--- a/~181226발표준비/FreezeBomb(중간발표)_사명진_이우상_염혜린.pptx
+++ b/~181226발표준비/FreezeBomb(중간발표)_사명진_이우상_염혜린.pptx
@@ -268,7 +268,7 @@
           <a:p>
             <a:fld id="{D5DEA401-A339-44E2-A907-DCA2F41F0303}" type="datetimeFigureOut">
               <a:rPr lang="ko-KR" altLang="en-US" smtClean="0"/>
-              <a:t>2019-05-08</a:t>
+              <a:t>2019-05-12</a:t>
             </a:fld>
             <a:endParaRPr lang="ko-KR" altLang="en-US"/>
           </a:p>
@@ -466,7 +466,7 @@
           <a:p>
             <a:fld id="{D5DEA401-A339-44E2-A907-DCA2F41F0303}" type="datetimeFigureOut">
               <a:rPr lang="ko-KR" altLang="en-US" smtClean="0"/>
-              <a:t>2019-05-08</a:t>
+              <a:t>2019-05-12</a:t>
             </a:fld>
             <a:endParaRPr lang="ko-KR" altLang="en-US"/>
           </a:p>
@@ -674,7 +674,7 @@
           <a:p>
             <a:fld id="{D5DEA401-A339-44E2-A907-DCA2F41F0303}" type="datetimeFigureOut">
               <a:rPr lang="ko-KR" altLang="en-US" smtClean="0"/>
-              <a:t>2019-05-08</a:t>
+              <a:t>2019-05-12</a:t>
             </a:fld>
             <a:endParaRPr lang="ko-KR" altLang="en-US"/>
           </a:p>
@@ -872,7 +872,7 @@
           <a:p>
             <a:fld id="{D5DEA401-A339-44E2-A907-DCA2F41F0303}" type="datetimeFigureOut">
               <a:rPr lang="ko-KR" altLang="en-US" smtClean="0"/>
-              <a:t>2019-05-08</a:t>
+              <a:t>2019-05-12</a:t>
             </a:fld>
             <a:endParaRPr lang="ko-KR" altLang="en-US"/>
           </a:p>
@@ -1147,7 +1147,7 @@
           <a:p>
             <a:fld id="{D5DEA401-A339-44E2-A907-DCA2F41F0303}" type="datetimeFigureOut">
               <a:rPr lang="ko-KR" altLang="en-US" smtClean="0"/>
-              <a:t>2019-05-08</a:t>
+              <a:t>2019-05-12</a:t>
             </a:fld>
             <a:endParaRPr lang="ko-KR" altLang="en-US"/>
           </a:p>
@@ -1412,7 +1412,7 @@
           <a:p>
             <a:fld id="{D5DEA401-A339-44E2-A907-DCA2F41F0303}" type="datetimeFigureOut">
               <a:rPr lang="ko-KR" altLang="en-US" smtClean="0"/>
-              <a:t>2019-05-08</a:t>
+              <a:t>2019-05-12</a:t>
             </a:fld>
             <a:endParaRPr lang="ko-KR" altLang="en-US"/>
           </a:p>
@@ -1824,7 +1824,7 @@
           <a:p>
             <a:fld id="{D5DEA401-A339-44E2-A907-DCA2F41F0303}" type="datetimeFigureOut">
               <a:rPr lang="ko-KR" altLang="en-US" smtClean="0"/>
-              <a:t>2019-05-08</a:t>
+              <a:t>2019-05-12</a:t>
             </a:fld>
             <a:endParaRPr lang="ko-KR" altLang="en-US"/>
           </a:p>
@@ -1965,7 +1965,7 @@
           <a:p>
             <a:fld id="{D5DEA401-A339-44E2-A907-DCA2F41F0303}" type="datetimeFigureOut">
               <a:rPr lang="ko-KR" altLang="en-US" smtClean="0"/>
-              <a:t>2019-05-08</a:t>
+              <a:t>2019-05-12</a:t>
             </a:fld>
             <a:endParaRPr lang="ko-KR" altLang="en-US"/>
           </a:p>
@@ -2078,7 +2078,7 @@
           <a:p>
             <a:fld id="{D5DEA401-A339-44E2-A907-DCA2F41F0303}" type="datetimeFigureOut">
               <a:rPr lang="ko-KR" altLang="en-US" smtClean="0"/>
-              <a:t>2019-05-08</a:t>
+              <a:t>2019-05-12</a:t>
             </a:fld>
             <a:endParaRPr lang="ko-KR" altLang="en-US"/>
           </a:p>
@@ -2389,7 +2389,7 @@
           <a:p>
             <a:fld id="{D5DEA401-A339-44E2-A907-DCA2F41F0303}" type="datetimeFigureOut">
               <a:rPr lang="ko-KR" altLang="en-US" smtClean="0"/>
-              <a:t>2019-05-08</a:t>
+              <a:t>2019-05-12</a:t>
             </a:fld>
             <a:endParaRPr lang="ko-KR" altLang="en-US"/>
           </a:p>
@@ -2677,7 +2677,7 @@
           <a:p>
             <a:fld id="{D5DEA401-A339-44E2-A907-DCA2F41F0303}" type="datetimeFigureOut">
               <a:rPr lang="ko-KR" altLang="en-US" smtClean="0"/>
-              <a:t>2019-05-08</a:t>
+              <a:t>2019-05-12</a:t>
             </a:fld>
             <a:endParaRPr lang="ko-KR" altLang="en-US"/>
           </a:p>
@@ -2918,7 +2918,7 @@
           <a:p>
             <a:fld id="{D5DEA401-A339-44E2-A907-DCA2F41F0303}" type="datetimeFigureOut">
               <a:rPr lang="ko-KR" altLang="en-US" smtClean="0"/>
-              <a:t>2019-05-08</a:t>
+              <a:t>2019-05-12</a:t>
             </a:fld>
             <a:endParaRPr lang="ko-KR" altLang="en-US"/>
           </a:p>
@@ -5207,7 +5207,7 @@
           <p:nvPr>
             <p:extLst>
               <p:ext uri="{D42A27DB-BD31-4B8C-83A1-F6EECF244321}">
-                <p14:modId xmlns:p14="http://schemas.microsoft.com/office/powerpoint/2010/main" val="1272493071"/>
+                <p14:modId xmlns:p14="http://schemas.microsoft.com/office/powerpoint/2010/main" val="2606730179"/>
               </p:ext>
             </p:extLst>
           </p:nvPr>
@@ -6429,6 +6429,22 @@
                         </a:rPr>
                         <a:t>서버 프레임워크 제작</a:t>
                       </a:r>
+                      <a:r>
+                        <a:rPr lang="en-US" altLang="ko-KR" sz="1800" dirty="0">
+                          <a:solidFill>
+                            <a:schemeClr val="tx1"/>
+                          </a:solidFill>
+                        </a:rPr>
+                        <a:t>, </a:t>
+                      </a:r>
+                      <a:r>
+                        <a:rPr lang="ko-KR" altLang="en-US" sz="1800" dirty="0">
+                          <a:solidFill>
+                            <a:schemeClr val="tx1"/>
+                          </a:solidFill>
+                        </a:rPr>
+                        <a:t>클라이언트 간 이동 및 회전 동기화</a:t>
+                      </a:r>
                       <a:endParaRPr lang="en-US" altLang="ko-KR" sz="1800" dirty="0">
                         <a:solidFill>
                           <a:schemeClr val="tx1"/>
@@ -6734,7 +6750,7 @@
           <p:nvPr>
             <p:extLst>
               <p:ext uri="{D42A27DB-BD31-4B8C-83A1-F6EECF244321}">
-                <p14:modId xmlns:p14="http://schemas.microsoft.com/office/powerpoint/2010/main" val="1615731659"/>
+                <p14:modId xmlns:p14="http://schemas.microsoft.com/office/powerpoint/2010/main" val="3840151320"/>
               </p:ext>
             </p:extLst>
           </p:nvPr>
@@ -6750,21 +6766,21 @@
                 <a:tableStyleId>{F2DE63D5-997A-4646-A377-4702673A728D}</a:tableStyleId>
               </a:tblPr>
               <a:tblGrid>
-                <a:gridCol w="1921152">
+                <a:gridCol w="1739543">
                   <a:extLst>
                     <a:ext uri="{9D8B030D-6E8A-4147-A177-3AD203B41FA5}">
                       <a16:colId xmlns:a16="http://schemas.microsoft.com/office/drawing/2014/main" val="3411655212"/>
                     </a:ext>
                   </a:extLst>
                 </a:gridCol>
-                <a:gridCol w="1978885">
+                <a:gridCol w="1882588">
                   <a:extLst>
                     <a:ext uri="{9D8B030D-6E8A-4147-A177-3AD203B41FA5}">
                       <a16:colId xmlns:a16="http://schemas.microsoft.com/office/drawing/2014/main" val="1767296978"/>
                     </a:ext>
                   </a:extLst>
                 </a:gridCol>
-                <a:gridCol w="2734235">
+                <a:gridCol w="3012141">
                   <a:extLst>
                     <a:ext uri="{9D8B030D-6E8A-4147-A177-3AD203B41FA5}">
                       <a16:colId xmlns:a16="http://schemas.microsoft.com/office/drawing/2014/main" val="685093655"/>
@@ -7277,7 +7293,10 @@
                       </a:endParaRPr>
                     </a:p>
                     <a:p>
-                      <a:pPr algn="ctr" latinLnBrk="1"/>
+                      <a:pPr marL="285750" indent="-285750" algn="l" latinLnBrk="1">
+                        <a:buFont typeface="Arial" panose="020B0604020202020204" pitchFamily="34" charset="0"/>
+                        <a:buChar char="•"/>
+                      </a:pPr>
                       <a:r>
                         <a:rPr lang="ko-KR" altLang="en-US" dirty="0">
                           <a:solidFill>
@@ -7372,23 +7391,10 @@
                     <a:bodyPr/>
                     <a:lstStyle/>
                     <a:p>
-                      <a:pPr algn="ctr" latinLnBrk="1"/>
-                      <a:endParaRPr lang="en-US" altLang="ko-KR" dirty="0">
-                        <a:solidFill>
-                          <a:schemeClr val="tx1"/>
-                        </a:solidFill>
-                      </a:endParaRPr>
-                    </a:p>
-                    <a:p>
-                      <a:pPr algn="ctr" latinLnBrk="1"/>
-                      <a:endParaRPr lang="en-US" altLang="ko-KR" dirty="0">
-                        <a:solidFill>
-                          <a:schemeClr val="tx1"/>
-                        </a:solidFill>
-                      </a:endParaRPr>
-                    </a:p>
-                    <a:p>
-                      <a:pPr algn="ctr" latinLnBrk="1"/>
+                      <a:pPr marL="285750" indent="-285750" algn="l" latinLnBrk="1">
+                        <a:buFont typeface="Arial" panose="020B0604020202020204" pitchFamily="34" charset="0"/>
+                        <a:buChar char="•"/>
+                      </a:pPr>
                       <a:r>
                         <a:rPr lang="en-US" altLang="ko-KR" dirty="0">
                           <a:solidFill>
@@ -7405,17 +7411,14 @@
                         </a:rPr>
                         <a:t>라운드 스테이지를 구현할 예정</a:t>
                       </a:r>
-                      <a:r>
-                        <a:rPr lang="en-US" altLang="ko-KR" dirty="0">
-                          <a:solidFill>
-                            <a:schemeClr val="tx1"/>
-                          </a:solidFill>
-                        </a:rPr>
-                        <a:t>.</a:t>
-                      </a:r>
+                      <a:endParaRPr lang="en-US" altLang="ko-KR" dirty="0">
+                        <a:solidFill>
+                          <a:schemeClr val="tx1"/>
+                        </a:solidFill>
+                      </a:endParaRPr>
                     </a:p>
                   </a:txBody>
-                  <a:tcPr>
+                  <a:tcPr anchor="ctr">
                     <a:lnL w="12700" cap="flat" cmpd="sng" algn="ctr">
                       <a:solidFill>
                         <a:schemeClr val="tx1"/>
@@ -7651,30 +7654,17 @@
                     <a:bodyPr/>
                     <a:lstStyle/>
                     <a:p>
-                      <a:pPr algn="ctr" latinLnBrk="1"/>
-                      <a:endParaRPr lang="en-US" altLang="ko-KR" dirty="0">
-                        <a:solidFill>
-                          <a:schemeClr val="tx1"/>
-                        </a:solidFill>
-                      </a:endParaRPr>
-                    </a:p>
-                    <a:p>
-                      <a:pPr algn="ctr" latinLnBrk="1"/>
-                      <a:endParaRPr lang="en-US" altLang="ko-KR" dirty="0">
-                        <a:solidFill>
-                          <a:schemeClr val="tx1"/>
-                        </a:solidFill>
-                      </a:endParaRPr>
-                    </a:p>
-                    <a:p>
-                      <a:pPr algn="ctr" latinLnBrk="1"/>
+                      <a:pPr marL="285750" indent="-285750" algn="l" latinLnBrk="1">
+                        <a:buFont typeface="Arial" panose="020B0604020202020204" pitchFamily="34" charset="0"/>
+                        <a:buChar char="•"/>
+                      </a:pPr>
                       <a:r>
                         <a:rPr lang="ko-KR" altLang="en-US" dirty="0">
                           <a:solidFill>
                             <a:schemeClr val="tx1"/>
                           </a:solidFill>
                         </a:rPr>
-                        <a:t>네트워크 동기화 </a:t>
+                        <a:t>네트워크 동기화 불안정</a:t>
                       </a:r>
                       <a:endParaRPr lang="en-US" altLang="ko-KR" dirty="0">
                         <a:solidFill>
@@ -7683,18 +7673,21 @@
                       </a:endParaRPr>
                     </a:p>
                     <a:p>
-                      <a:pPr algn="ctr" latinLnBrk="1"/>
+                      <a:pPr marL="285750" indent="-285750" algn="l" latinLnBrk="1">
+                        <a:buFont typeface="Arial" panose="020B0604020202020204" pitchFamily="34" charset="0"/>
+                        <a:buChar char="•"/>
+                      </a:pPr>
                       <a:r>
                         <a:rPr lang="ko-KR" altLang="en-US" dirty="0">
                           <a:solidFill>
                             <a:schemeClr val="tx1"/>
                           </a:solidFill>
                         </a:rPr>
-                        <a:t>불안정</a:t>
+                        <a:t>비효율적인 상호배제</a:t>
                       </a:r>
                     </a:p>
                   </a:txBody>
-                  <a:tcPr>
+                  <a:tcPr anchor="ctr">
                     <a:lnL w="12700" cap="flat" cmpd="sng" algn="ctr">
                       <a:solidFill>
                         <a:schemeClr val="tx1"/>
@@ -7749,23 +7742,10 @@
                     <a:bodyPr/>
                     <a:lstStyle/>
                     <a:p>
-                      <a:pPr algn="ctr" latinLnBrk="1"/>
-                      <a:endParaRPr lang="en-US" altLang="ko-KR" dirty="0">
-                        <a:solidFill>
-                          <a:schemeClr val="tx1"/>
-                        </a:solidFill>
-                      </a:endParaRPr>
-                    </a:p>
-                    <a:p>
-                      <a:pPr algn="ctr" latinLnBrk="1"/>
-                      <a:endParaRPr lang="en-US" altLang="ko-KR" dirty="0">
-                        <a:solidFill>
-                          <a:schemeClr val="tx1"/>
-                        </a:solidFill>
-                      </a:endParaRPr>
-                    </a:p>
-                    <a:p>
-                      <a:pPr algn="ctr" latinLnBrk="1"/>
+                      <a:pPr marL="285750" indent="-285750" algn="l" latinLnBrk="1">
+                        <a:buFont typeface="Arial" panose="020B0604020202020204" pitchFamily="34" charset="0"/>
+                        <a:buChar char="•"/>
+                      </a:pPr>
                       <a:r>
                         <a:rPr lang="ko-KR" altLang="en-US" dirty="0">
                           <a:solidFill>
@@ -7790,9 +7770,57 @@
                         </a:rPr>
                         <a:t>클라이언트 간의 지연시간을 고려하여 패킷 처리</a:t>
                       </a:r>
+                      <a:endParaRPr lang="en-US" altLang="ko-KR" dirty="0">
+                        <a:solidFill>
+                          <a:schemeClr val="tx1"/>
+                        </a:solidFill>
+                      </a:endParaRPr>
+                    </a:p>
+                    <a:p>
+                      <a:pPr marL="285750" indent="-285750" algn="l" latinLnBrk="1">
+                        <a:buFont typeface="Arial" panose="020B0604020202020204" pitchFamily="34" charset="0"/>
+                        <a:buChar char="•"/>
+                      </a:pPr>
+                      <a:r>
+                        <a:rPr lang="en-US" altLang="ko-KR" dirty="0">
+                          <a:solidFill>
+                            <a:schemeClr val="tx1"/>
+                          </a:solidFill>
+                        </a:rPr>
+                        <a:t>PPL Library</a:t>
+                      </a:r>
+                      <a:r>
+                        <a:rPr lang="ko-KR" altLang="en-US" dirty="0">
+                          <a:solidFill>
+                            <a:schemeClr val="tx1"/>
+                          </a:solidFill>
+                        </a:rPr>
+                        <a:t> 내의 </a:t>
+                      </a:r>
+                      <a:r>
+                        <a:rPr lang="en-US" altLang="ko-KR" dirty="0">
+                          <a:solidFill>
+                            <a:schemeClr val="tx1"/>
+                          </a:solidFill>
+                        </a:rPr>
+                        <a:t>Non-blocking </a:t>
+                      </a:r>
+                      <a:r>
+                        <a:rPr lang="ko-KR" altLang="en-US" dirty="0">
+                          <a:solidFill>
+                            <a:schemeClr val="tx1"/>
+                          </a:solidFill>
+                        </a:rPr>
+                        <a:t>자료구조 사용</a:t>
+                      </a:r>
+                      <a:endParaRPr lang="en-US" altLang="ko-KR" dirty="0">
+                        <a:solidFill>
+                          <a:schemeClr val="tx1"/>
+                        </a:solidFill>
+                      </a:endParaRPr>
                     </a:p>
                   </a:txBody>
-                  <a:tcPr>
+                  <a:tcPr anchor="ctr">
                     <a:lnL w="12700" cap="flat" cmpd="sng" algn="ctr">
                       <a:solidFill>
                         <a:schemeClr val="tx1"/>

--- a/~181226발표준비/FreezeBomb(중간발표)_사명진_이우상_염혜린.pptx
+++ b/~181226발표준비/FreezeBomb(중간발표)_사명진_이우상_염혜린.pptx
@@ -268,7 +268,7 @@
           <a:p>
             <a:fld id="{D5DEA401-A339-44E2-A907-DCA2F41F0303}" type="datetimeFigureOut">
               <a:rPr lang="ko-KR" altLang="en-US" smtClean="0"/>
-              <a:t>2019-05-08</a:t>
+              <a:t>2019-05-12</a:t>
             </a:fld>
             <a:endParaRPr lang="ko-KR" altLang="en-US"/>
           </a:p>
@@ -466,7 +466,7 @@
           <a:p>
             <a:fld id="{D5DEA401-A339-44E2-A907-DCA2F41F0303}" type="datetimeFigureOut">
               <a:rPr lang="ko-KR" altLang="en-US" smtClean="0"/>
-              <a:t>2019-05-08</a:t>
+              <a:t>2019-05-12</a:t>
             </a:fld>
             <a:endParaRPr lang="ko-KR" altLang="en-US"/>
           </a:p>
@@ -674,7 +674,7 @@
           <a:p>
             <a:fld id="{D5DEA401-A339-44E2-A907-DCA2F41F0303}" type="datetimeFigureOut">
               <a:rPr lang="ko-KR" altLang="en-US" smtClean="0"/>
-              <a:t>2019-05-08</a:t>
+              <a:t>2019-05-12</a:t>
             </a:fld>
             <a:endParaRPr lang="ko-KR" altLang="en-US"/>
           </a:p>
@@ -872,7 +872,7 @@
           <a:p>
             <a:fld id="{D5DEA401-A339-44E2-A907-DCA2F41F0303}" type="datetimeFigureOut">
               <a:rPr lang="ko-KR" altLang="en-US" smtClean="0"/>
-              <a:t>2019-05-08</a:t>
+              <a:t>2019-05-12</a:t>
             </a:fld>
             <a:endParaRPr lang="ko-KR" altLang="en-US"/>
           </a:p>
@@ -1147,7 +1147,7 @@
           <a:p>
             <a:fld id="{D5DEA401-A339-44E2-A907-DCA2F41F0303}" type="datetimeFigureOut">
               <a:rPr lang="ko-KR" altLang="en-US" smtClean="0"/>
-              <a:t>2019-05-08</a:t>
+              <a:t>2019-05-12</a:t>
             </a:fld>
             <a:endParaRPr lang="ko-KR" altLang="en-US"/>
           </a:p>
@@ -1412,7 +1412,7 @@
           <a:p>
             <a:fld id="{D5DEA401-A339-44E2-A907-DCA2F41F0303}" type="datetimeFigureOut">
               <a:rPr lang="ko-KR" altLang="en-US" smtClean="0"/>
-              <a:t>2019-05-08</a:t>
+              <a:t>2019-05-12</a:t>
             </a:fld>
             <a:endParaRPr lang="ko-KR" altLang="en-US"/>
           </a:p>
@@ -1824,7 +1824,7 @@
           <a:p>
             <a:fld id="{D5DEA401-A339-44E2-A907-DCA2F41F0303}" type="datetimeFigureOut">
               <a:rPr lang="ko-KR" altLang="en-US" smtClean="0"/>
-              <a:t>2019-05-08</a:t>
+              <a:t>2019-05-12</a:t>
             </a:fld>
             <a:endParaRPr lang="ko-KR" altLang="en-US"/>
           </a:p>
@@ -1965,7 +1965,7 @@
           <a:p>
             <a:fld id="{D5DEA401-A339-44E2-A907-DCA2F41F0303}" type="datetimeFigureOut">
               <a:rPr lang="ko-KR" altLang="en-US" smtClean="0"/>
-              <a:t>2019-05-08</a:t>
+              <a:t>2019-05-12</a:t>
             </a:fld>
             <a:endParaRPr lang="ko-KR" altLang="en-US"/>
           </a:p>
@@ -2078,7 +2078,7 @@
           <a:p>
             <a:fld id="{D5DEA401-A339-44E2-A907-DCA2F41F0303}" type="datetimeFigureOut">
               <a:rPr lang="ko-KR" altLang="en-US" smtClean="0"/>
-              <a:t>2019-05-08</a:t>
+              <a:t>2019-05-12</a:t>
             </a:fld>
             <a:endParaRPr lang="ko-KR" altLang="en-US"/>
           </a:p>
@@ -2389,7 +2389,7 @@
           <a:p>
             <a:fld id="{D5DEA401-A339-44E2-A907-DCA2F41F0303}" type="datetimeFigureOut">
               <a:rPr lang="ko-KR" altLang="en-US" smtClean="0"/>
-              <a:t>2019-05-08</a:t>
+              <a:t>2019-05-12</a:t>
             </a:fld>
             <a:endParaRPr lang="ko-KR" altLang="en-US"/>
           </a:p>
@@ -2677,7 +2677,7 @@
           <a:p>
             <a:fld id="{D5DEA401-A339-44E2-A907-DCA2F41F0303}" type="datetimeFigureOut">
               <a:rPr lang="ko-KR" altLang="en-US" smtClean="0"/>
-              <a:t>2019-05-08</a:t>
+              <a:t>2019-05-12</a:t>
             </a:fld>
             <a:endParaRPr lang="ko-KR" altLang="en-US"/>
           </a:p>
@@ -2918,7 +2918,7 @@
           <a:p>
             <a:fld id="{D5DEA401-A339-44E2-A907-DCA2F41F0303}" type="datetimeFigureOut">
               <a:rPr lang="ko-KR" altLang="en-US" smtClean="0"/>
-              <a:t>2019-05-08</a:t>
+              <a:t>2019-05-12</a:t>
             </a:fld>
             <a:endParaRPr lang="ko-KR" altLang="en-US"/>
           </a:p>
@@ -3918,7 +3918,7 @@
                 <a:latin typeface="+mj-ea"/>
                 <a:ea typeface="+mj-ea"/>
               </a:rPr>
-              <a:t>데모 시연</a:t>
+              <a:t>게임 시연</a:t>
             </a:r>
           </a:p>
         </p:txBody>
@@ -4562,41 +4562,6 @@
           </a:p>
         </p:txBody>
       </p:sp>
-      <p:pic>
-        <p:nvPicPr>
-          <p:cNvPr id="43" name="내용 개체 틀 24">
-            <a:extLst>
-              <a:ext uri="{FF2B5EF4-FFF2-40B4-BE49-F238E27FC236}">
-                <a16:creationId xmlns:a16="http://schemas.microsoft.com/office/drawing/2014/main" id="{668D9708-3EBE-4141-88A8-D6D7937D590F}"/>
-              </a:ext>
-            </a:extLst>
-          </p:cNvPr>
-          <p:cNvPicPr>
-            <a:picLocks noChangeAspect="1"/>
-          </p:cNvPicPr>
-          <p:nvPr/>
-        </p:nvPicPr>
-        <p:blipFill rotWithShape="1">
-          <a:blip r:embed="rId2">
-            <a:extLst>
-              <a:ext uri="{28A0092B-C50C-407E-A947-70E740481C1C}">
-                <a14:useLocalDpi xmlns:a14="http://schemas.microsoft.com/office/drawing/2010/main" val="0"/>
-              </a:ext>
-            </a:extLst>
-          </a:blip>
-          <a:srcRect l="6754" r="2" b="2"/>
-          <a:stretch/>
-        </p:blipFill>
-        <p:spPr>
-          <a:xfrm>
-            <a:off x="573741" y="1677418"/>
-            <a:ext cx="5423429" cy="3882362"/>
-          </a:xfrm>
-          <a:prstGeom prst="rect">
-            <a:avLst/>
-          </a:prstGeom>
-        </p:spPr>
-      </p:pic>
       <p:sp>
         <p:nvSpPr>
           <p:cNvPr id="7" name="TextBox 6">
@@ -4656,6 +4621,42 @@
           </a:p>
         </p:txBody>
       </p:sp>
+      <p:pic>
+        <p:nvPicPr>
+          <p:cNvPr id="3" name="그림 2">
+            <a:extLst>
+              <a:ext uri="{FF2B5EF4-FFF2-40B4-BE49-F238E27FC236}">
+                <a16:creationId xmlns:a16="http://schemas.microsoft.com/office/drawing/2014/main" id="{EE9E2155-EEA8-4CF3-9EDE-EF36C93FCC4A}"/>
+              </a:ext>
+            </a:extLst>
+          </p:cNvPr>
+          <p:cNvPicPr>
+            <a:picLocks noChangeAspect="1"/>
+          </p:cNvPicPr>
+          <p:nvPr/>
+        </p:nvPicPr>
+        <p:blipFill>
+          <a:blip r:embed="rId2">
+            <a:extLst>
+              <a:ext uri="{28A0092B-C50C-407E-A947-70E740481C1C}">
+                <a14:useLocalDpi xmlns:a14="http://schemas.microsoft.com/office/drawing/2010/main" val="0"/>
+              </a:ext>
+            </a:extLst>
+          </a:blip>
+          <a:stretch>
+            <a:fillRect/>
+          </a:stretch>
+        </p:blipFill>
+        <p:spPr>
+          <a:xfrm>
+            <a:off x="301941" y="1677419"/>
+            <a:ext cx="6034346" cy="4034651"/>
+          </a:xfrm>
+          <a:prstGeom prst="rect">
+            <a:avLst/>
+          </a:prstGeom>
+        </p:spPr>
+      </p:pic>
     </p:spTree>
     <p:extLst>
       <p:ext uri="{BB962C8B-B14F-4D97-AF65-F5344CB8AC3E}">
@@ -5207,7 +5208,7 @@
           <p:nvPr>
             <p:extLst>
               <p:ext uri="{D42A27DB-BD31-4B8C-83A1-F6EECF244321}">
-                <p14:modId xmlns:p14="http://schemas.microsoft.com/office/powerpoint/2010/main" val="1272493071"/>
+                <p14:modId xmlns:p14="http://schemas.microsoft.com/office/powerpoint/2010/main" val="3099046756"/>
               </p:ext>
             </p:extLst>
           </p:nvPr>
@@ -6225,13 +6226,16 @@
                             <a:schemeClr val="tx1"/>
                           </a:solidFill>
                         </a:rPr>
-                        <a:t>스레딩</a:t>
+                        <a:t>스레딩을</a:t>
                       </a:r>
-                      <a:endParaRPr lang="ko-KR" altLang="en-US" sz="1800" dirty="0">
-                        <a:solidFill>
-                          <a:schemeClr val="tx1"/>
-                        </a:solidFill>
-                      </a:endParaRPr>
+                      <a:r>
+                        <a:rPr lang="ko-KR" altLang="en-US" sz="1800" dirty="0">
+                          <a:solidFill>
+                            <a:schemeClr val="tx1"/>
+                          </a:solidFill>
+                        </a:rPr>
+                        <a:t> 이용한 로딩</a:t>
+                      </a:r>
                     </a:p>
                   </a:txBody>
                   <a:tcPr anchor="ctr">
@@ -6428,6 +6432,22 @@
                           </a:solidFill>
                         </a:rPr>
                         <a:t>서버 프레임워크 제작</a:t>
+                      </a:r>
+                      <a:r>
+                        <a:rPr lang="en-US" altLang="ko-KR" sz="1800" dirty="0">
+                          <a:solidFill>
+                            <a:schemeClr val="tx1"/>
+                          </a:solidFill>
+                        </a:rPr>
+                        <a:t>, </a:t>
+                      </a:r>
+                      <a:r>
+                        <a:rPr lang="ko-KR" altLang="en-US" sz="1800" dirty="0">
+                          <a:solidFill>
+                            <a:schemeClr val="tx1"/>
+                          </a:solidFill>
+                        </a:rPr>
+                        <a:t>클라이언트 간 이동 및 회전 동기화</a:t>
                       </a:r>
                       <a:endParaRPr lang="en-US" altLang="ko-KR" sz="1800" dirty="0">
                         <a:solidFill>
@@ -6734,7 +6754,7 @@
           <p:nvPr>
             <p:extLst>
               <p:ext uri="{D42A27DB-BD31-4B8C-83A1-F6EECF244321}">
-                <p14:modId xmlns:p14="http://schemas.microsoft.com/office/powerpoint/2010/main" val="1615731659"/>
+                <p14:modId xmlns:p14="http://schemas.microsoft.com/office/powerpoint/2010/main" val="3840151320"/>
               </p:ext>
             </p:extLst>
           </p:nvPr>
@@ -6750,21 +6770,21 @@
                 <a:tableStyleId>{F2DE63D5-997A-4646-A377-4702673A728D}</a:tableStyleId>
               </a:tblPr>
               <a:tblGrid>
-                <a:gridCol w="1921152">
+                <a:gridCol w="1739543">
                   <a:extLst>
                     <a:ext uri="{9D8B030D-6E8A-4147-A177-3AD203B41FA5}">
                       <a16:colId xmlns:a16="http://schemas.microsoft.com/office/drawing/2014/main" val="3411655212"/>
                     </a:ext>
                   </a:extLst>
                 </a:gridCol>
-                <a:gridCol w="1978885">
+                <a:gridCol w="1882588">
                   <a:extLst>
                     <a:ext uri="{9D8B030D-6E8A-4147-A177-3AD203B41FA5}">
                       <a16:colId xmlns:a16="http://schemas.microsoft.com/office/drawing/2014/main" val="1767296978"/>
                     </a:ext>
                   </a:extLst>
                 </a:gridCol>
-                <a:gridCol w="2734235">
+                <a:gridCol w="3012141">
                   <a:extLst>
                     <a:ext uri="{9D8B030D-6E8A-4147-A177-3AD203B41FA5}">
                       <a16:colId xmlns:a16="http://schemas.microsoft.com/office/drawing/2014/main" val="685093655"/>
@@ -7277,7 +7297,10 @@
                       </a:endParaRPr>
                     </a:p>
                     <a:p>
-                      <a:pPr algn="ctr" latinLnBrk="1"/>
+                      <a:pPr marL="285750" indent="-285750" algn="l" latinLnBrk="1">
+                        <a:buFont typeface="Arial" panose="020B0604020202020204" pitchFamily="34" charset="0"/>
+                        <a:buChar char="•"/>
+                      </a:pPr>
                       <a:r>
                         <a:rPr lang="ko-KR" altLang="en-US" dirty="0">
                           <a:solidFill>
@@ -7372,23 +7395,10 @@
                     <a:bodyPr/>
                     <a:lstStyle/>
                     <a:p>
-                      <a:pPr algn="ctr" latinLnBrk="1"/>
-                      <a:endParaRPr lang="en-US" altLang="ko-KR" dirty="0">
-                        <a:solidFill>
-                          <a:schemeClr val="tx1"/>
-                        </a:solidFill>
-                      </a:endParaRPr>
-                    </a:p>
-                    <a:p>
-                      <a:pPr algn="ctr" latinLnBrk="1"/>
-                      <a:endParaRPr lang="en-US" altLang="ko-KR" dirty="0">
-                        <a:solidFill>
-                          <a:schemeClr val="tx1"/>
-                        </a:solidFill>
-                      </a:endParaRPr>
-                    </a:p>
-                    <a:p>
-                      <a:pPr algn="ctr" latinLnBrk="1"/>
+                      <a:pPr marL="285750" indent="-285750" algn="l" latinLnBrk="1">
+                        <a:buFont typeface="Arial" panose="020B0604020202020204" pitchFamily="34" charset="0"/>
+                        <a:buChar char="•"/>
+                      </a:pPr>
                       <a:r>
                         <a:rPr lang="en-US" altLang="ko-KR" dirty="0">
                           <a:solidFill>
@@ -7405,17 +7415,14 @@
                         </a:rPr>
                         <a:t>라운드 스테이지를 구현할 예정</a:t>
                       </a:r>
-                      <a:r>
-                        <a:rPr lang="en-US" altLang="ko-KR" dirty="0">
-                          <a:solidFill>
-                            <a:schemeClr val="tx1"/>
-                          </a:solidFill>
-                        </a:rPr>
-                        <a:t>.</a:t>
-                      </a:r>
+                      <a:endParaRPr lang="en-US" altLang="ko-KR" dirty="0">
+                        <a:solidFill>
+                          <a:schemeClr val="tx1"/>
+                        </a:solidFill>
+                      </a:endParaRPr>
                     </a:p>
                   </a:txBody>
-                  <a:tcPr>
+                  <a:tcPr anchor="ctr">
                     <a:lnL w="12700" cap="flat" cmpd="sng" algn="ctr">
                       <a:solidFill>
                         <a:schemeClr val="tx1"/>
@@ -7651,30 +7658,17 @@
                     <a:bodyPr/>
                     <a:lstStyle/>
                     <a:p>
-                      <a:pPr algn="ctr" latinLnBrk="1"/>
-                      <a:endParaRPr lang="en-US" altLang="ko-KR" dirty="0">
-                        <a:solidFill>
-                          <a:schemeClr val="tx1"/>
-                        </a:solidFill>
-                      </a:endParaRPr>
-                    </a:p>
-                    <a:p>
-                      <a:pPr algn="ctr" latinLnBrk="1"/>
-                      <a:endParaRPr lang="en-US" altLang="ko-KR" dirty="0">
-                        <a:solidFill>
-                          <a:schemeClr val="tx1"/>
-                        </a:solidFill>
-                      </a:endParaRPr>
-                    </a:p>
-                    <a:p>
-                      <a:pPr algn="ctr" latinLnBrk="1"/>
+                      <a:pPr marL="285750" indent="-285750" algn="l" latinLnBrk="1">
+                        <a:buFont typeface="Arial" panose="020B0604020202020204" pitchFamily="34" charset="0"/>
+                        <a:buChar char="•"/>
+                      </a:pPr>
                       <a:r>
                         <a:rPr lang="ko-KR" altLang="en-US" dirty="0">
                           <a:solidFill>
                             <a:schemeClr val="tx1"/>
                           </a:solidFill>
                         </a:rPr>
-                        <a:t>네트워크 동기화 </a:t>
+                        <a:t>네트워크 동기화 불안정</a:t>
                       </a:r>
                       <a:endParaRPr lang="en-US" altLang="ko-KR" dirty="0">
                         <a:solidFill>
@@ -7683,18 +7677,21 @@
                       </a:endParaRPr>
                     </a:p>
                     <a:p>
-                      <a:pPr algn="ctr" latinLnBrk="1"/>
+                      <a:pPr marL="285750" indent="-285750" algn="l" latinLnBrk="1">
+                        <a:buFont typeface="Arial" panose="020B0604020202020204" pitchFamily="34" charset="0"/>
+                        <a:buChar char="•"/>
+                      </a:pPr>
                       <a:r>
                         <a:rPr lang="ko-KR" altLang="en-US" dirty="0">
                           <a:solidFill>
                             <a:schemeClr val="tx1"/>
                           </a:solidFill>
                         </a:rPr>
-                        <a:t>불안정</a:t>
+                        <a:t>비효율적인 상호배제</a:t>
                       </a:r>
                     </a:p>
                   </a:txBody>
-                  <a:tcPr>
+                  <a:tcPr anchor="ctr">
                     <a:lnL w="12700" cap="flat" cmpd="sng" algn="ctr">
                       <a:solidFill>
                         <a:schemeClr val="tx1"/>
@@ -7749,23 +7746,10 @@
                     <a:bodyPr/>
                     <a:lstStyle/>
                     <a:p>
-                      <a:pPr algn="ctr" latinLnBrk="1"/>
-                      <a:endParaRPr lang="en-US" altLang="ko-KR" dirty="0">
-                        <a:solidFill>
-                          <a:schemeClr val="tx1"/>
-                        </a:solidFill>
-                      </a:endParaRPr>
-                    </a:p>
-                    <a:p>
-                      <a:pPr algn="ctr" latinLnBrk="1"/>
-                      <a:endParaRPr lang="en-US" altLang="ko-KR" dirty="0">
-                        <a:solidFill>
-                          <a:schemeClr val="tx1"/>
-                        </a:solidFill>
-                      </a:endParaRPr>
-                    </a:p>
-                    <a:p>
-                      <a:pPr algn="ctr" latinLnBrk="1"/>
+                      <a:pPr marL="285750" indent="-285750" algn="l" latinLnBrk="1">
+                        <a:buFont typeface="Arial" panose="020B0604020202020204" pitchFamily="34" charset="0"/>
+                        <a:buChar char="•"/>
+                      </a:pPr>
                       <a:r>
                         <a:rPr lang="ko-KR" altLang="en-US" dirty="0">
                           <a:solidFill>
@@ -7790,9 +7774,57 @@
                         </a:rPr>
                         <a:t>클라이언트 간의 지연시간을 고려하여 패킷 처리</a:t>
                       </a:r>
+                      <a:endParaRPr lang="en-US" altLang="ko-KR" dirty="0">
+                        <a:solidFill>
+                          <a:schemeClr val="tx1"/>
+                        </a:solidFill>
+                      </a:endParaRPr>
+                    </a:p>
+                    <a:p>
+                      <a:pPr marL="285750" indent="-285750" algn="l" latinLnBrk="1">
+                        <a:buFont typeface="Arial" panose="020B0604020202020204" pitchFamily="34" charset="0"/>
+                        <a:buChar char="•"/>
+                      </a:pPr>
+                      <a:r>
+                        <a:rPr lang="en-US" altLang="ko-KR" dirty="0">
+                          <a:solidFill>
+                            <a:schemeClr val="tx1"/>
+                          </a:solidFill>
+                        </a:rPr>
+                        <a:t>PPL Library</a:t>
+                      </a:r>
+                      <a:r>
+                        <a:rPr lang="ko-KR" altLang="en-US" dirty="0">
+                          <a:solidFill>
+                            <a:schemeClr val="tx1"/>
+                          </a:solidFill>
+                        </a:rPr>
+                        <a:t> 내의 </a:t>
+                      </a:r>
+                      <a:r>
+                        <a:rPr lang="en-US" altLang="ko-KR" dirty="0">
+                          <a:solidFill>
+                            <a:schemeClr val="tx1"/>
+                          </a:solidFill>
+                        </a:rPr>
+                        <a:t>Non-blocking </a:t>
+                      </a:r>
+                      <a:r>
+                        <a:rPr lang="ko-KR" altLang="en-US" dirty="0">
+                          <a:solidFill>
+                            <a:schemeClr val="tx1"/>
+                          </a:solidFill>
+                        </a:rPr>
+                        <a:t>자료구조 사용</a:t>
+                      </a:r>
+                      <a:endParaRPr lang="en-US" altLang="ko-KR" dirty="0">
+                        <a:solidFill>
+                          <a:schemeClr val="tx1"/>
+                        </a:solidFill>
+                      </a:endParaRPr>
                     </a:p>
                   </a:txBody>
-                  <a:tcPr>
+                  <a:tcPr anchor="ctr">
                     <a:lnL w="12700" cap="flat" cmpd="sng" algn="ctr">
                       <a:solidFill>
                         <a:schemeClr val="tx1"/>
@@ -8123,6 +8155,42 @@
           </a:p>
         </p:txBody>
       </p:sp>
+      <p:pic>
+        <p:nvPicPr>
+          <p:cNvPr id="6" name="그림 5">
+            <a:extLst>
+              <a:ext uri="{FF2B5EF4-FFF2-40B4-BE49-F238E27FC236}">
+                <a16:creationId xmlns:a16="http://schemas.microsoft.com/office/drawing/2014/main" id="{DC8316E1-743A-41C6-A937-D03BAECD8139}"/>
+              </a:ext>
+            </a:extLst>
+          </p:cNvPr>
+          <p:cNvPicPr>
+            <a:picLocks noChangeAspect="1"/>
+          </p:cNvPicPr>
+          <p:nvPr/>
+        </p:nvPicPr>
+        <p:blipFill>
+          <a:blip r:embed="rId5">
+            <a:extLst>
+              <a:ext uri="{28A0092B-C50C-407E-A947-70E740481C1C}">
+                <a14:useLocalDpi xmlns:a14="http://schemas.microsoft.com/office/drawing/2010/main" val="0"/>
+              </a:ext>
+            </a:extLst>
+          </a:blip>
+          <a:stretch>
+            <a:fillRect/>
+          </a:stretch>
+        </p:blipFill>
+        <p:spPr>
+          <a:xfrm>
+            <a:off x="636104" y="4957011"/>
+            <a:ext cx="10919792" cy="1542402"/>
+          </a:xfrm>
+          <a:prstGeom prst="rect">
+            <a:avLst/>
+          </a:prstGeom>
+        </p:spPr>
+      </p:pic>
     </p:spTree>
     <p:extLst>
       <p:ext uri="{BB962C8B-B14F-4D97-AF65-F5344CB8AC3E}">
@@ -8239,10 +8307,10 @@
       </p:sp>
       <p:pic>
         <p:nvPicPr>
-          <p:cNvPr id="5" name="그림 4" descr="텍스트, 지도이(가) 표시된 사진&#10;&#10;자동 생성된 설명">
-            <a:extLst>
-              <a:ext uri="{FF2B5EF4-FFF2-40B4-BE49-F238E27FC236}">
-                <a16:creationId xmlns:a16="http://schemas.microsoft.com/office/drawing/2014/main" id="{4FB08934-1094-4C5A-982E-4906DBB98540}"/>
+          <p:cNvPr id="9" name="그림 8">
+            <a:extLst>
+              <a:ext uri="{FF2B5EF4-FFF2-40B4-BE49-F238E27FC236}">
+                <a16:creationId xmlns:a16="http://schemas.microsoft.com/office/drawing/2014/main" id="{489922C5-C471-4526-AB86-9C6650367600}"/>
               </a:ext>
             </a:extLst>
           </p:cNvPr>
@@ -8265,8 +8333,8 @@
         </p:blipFill>
         <p:spPr>
           <a:xfrm>
-            <a:off x="573741" y="1449361"/>
-            <a:ext cx="10982156" cy="4428145"/>
+            <a:off x="733908" y="1607662"/>
+            <a:ext cx="10732684" cy="4509053"/>
           </a:xfrm>
           <a:prstGeom prst="rect">
             <a:avLst/>
@@ -8275,10 +8343,10 @@
       </p:pic>
       <p:sp>
         <p:nvSpPr>
-          <p:cNvPr id="7" name="사각형: 둥근 모서리 6">
-            <a:extLst>
-              <a:ext uri="{FF2B5EF4-FFF2-40B4-BE49-F238E27FC236}">
-                <a16:creationId xmlns:a16="http://schemas.microsoft.com/office/drawing/2014/main" id="{B60DA86A-AFF0-405A-AD07-274FF2FA7C4E}"/>
+          <p:cNvPr id="10" name="사각형: 둥근 모서리 9">
+            <a:extLst>
+              <a:ext uri="{FF2B5EF4-FFF2-40B4-BE49-F238E27FC236}">
+                <a16:creationId xmlns:a16="http://schemas.microsoft.com/office/drawing/2014/main" id="{CB029A87-5150-4FD7-AE3B-A668FE2B9389}"/>
               </a:ext>
             </a:extLst>
           </p:cNvPr>
@@ -8287,8 +8355,8 @@
         </p:nvSpPr>
         <p:spPr>
           <a:xfrm>
-            <a:off x="2865119" y="1449360"/>
-            <a:ext cx="3230882" cy="4428146"/>
+            <a:off x="2743790" y="1648115"/>
+            <a:ext cx="3526803" cy="4428146"/>
           </a:xfrm>
           <a:prstGeom prst="roundRect">
             <a:avLst/>
